--- a/Python Day 6 Strings and Lists.pptx
+++ b/Python Day 6 Strings and Lists.pptx
@@ -16,32 +16,31 @@
     <p:sldId id="290" r:id="rId10"/>
     <p:sldId id="291" r:id="rId11"/>
     <p:sldId id="259" r:id="rId12"/>
-    <p:sldId id="310" r:id="rId13"/>
-    <p:sldId id="311" r:id="rId14"/>
-    <p:sldId id="308" r:id="rId15"/>
-    <p:sldId id="309" r:id="rId16"/>
-    <p:sldId id="260" r:id="rId17"/>
-    <p:sldId id="283" r:id="rId18"/>
-    <p:sldId id="269" r:id="rId19"/>
-    <p:sldId id="268" r:id="rId20"/>
-    <p:sldId id="292" r:id="rId21"/>
-    <p:sldId id="312" r:id="rId22"/>
-    <p:sldId id="293" r:id="rId23"/>
-    <p:sldId id="281" r:id="rId24"/>
-    <p:sldId id="261" r:id="rId25"/>
-    <p:sldId id="296" r:id="rId26"/>
-    <p:sldId id="264" r:id="rId27"/>
-    <p:sldId id="265" r:id="rId28"/>
-    <p:sldId id="267" r:id="rId29"/>
-    <p:sldId id="304" r:id="rId30"/>
-    <p:sldId id="297" r:id="rId31"/>
-    <p:sldId id="298" r:id="rId32"/>
-    <p:sldId id="294" r:id="rId33"/>
-    <p:sldId id="307" r:id="rId34"/>
-    <p:sldId id="299" r:id="rId35"/>
-    <p:sldId id="302" r:id="rId36"/>
-    <p:sldId id="306" r:id="rId37"/>
-    <p:sldId id="305" r:id="rId38"/>
+    <p:sldId id="311" r:id="rId13"/>
+    <p:sldId id="308" r:id="rId14"/>
+    <p:sldId id="309" r:id="rId15"/>
+    <p:sldId id="260" r:id="rId16"/>
+    <p:sldId id="283" r:id="rId17"/>
+    <p:sldId id="269" r:id="rId18"/>
+    <p:sldId id="268" r:id="rId19"/>
+    <p:sldId id="292" r:id="rId20"/>
+    <p:sldId id="312" r:id="rId21"/>
+    <p:sldId id="293" r:id="rId22"/>
+    <p:sldId id="281" r:id="rId23"/>
+    <p:sldId id="261" r:id="rId24"/>
+    <p:sldId id="296" r:id="rId25"/>
+    <p:sldId id="264" r:id="rId26"/>
+    <p:sldId id="265" r:id="rId27"/>
+    <p:sldId id="267" r:id="rId28"/>
+    <p:sldId id="304" r:id="rId29"/>
+    <p:sldId id="297" r:id="rId30"/>
+    <p:sldId id="298" r:id="rId31"/>
+    <p:sldId id="294" r:id="rId32"/>
+    <p:sldId id="307" r:id="rId33"/>
+    <p:sldId id="299" r:id="rId34"/>
+    <p:sldId id="302" r:id="rId35"/>
+    <p:sldId id="306" r:id="rId36"/>
+    <p:sldId id="305" r:id="rId37"/>
   </p:sldIdLst>
   <p:sldSz cx="12192000" cy="6858000"/>
   <p:notesSz cx="6858000" cy="9144000"/>
@@ -29241,7 +29240,7 @@
           <a:p>
             <a:fld id="{7D888D8A-0A60-47D0-B03D-BFB4A0F97126}" type="datetimeFigureOut">
               <a:rPr lang="en-US" smtClean="0"/>
-              <a:t>4/6/2018</a:t>
+              <a:t>4/7/2018</a:t>
             </a:fld>
             <a:endParaRPr lang="en-US"/>
           </a:p>
@@ -29411,7 +29410,7 @@
           <a:p>
             <a:fld id="{7D888D8A-0A60-47D0-B03D-BFB4A0F97126}" type="datetimeFigureOut">
               <a:rPr lang="en-US" smtClean="0"/>
-              <a:t>4/6/2018</a:t>
+              <a:t>4/7/2018</a:t>
             </a:fld>
             <a:endParaRPr lang="en-US"/>
           </a:p>
@@ -29591,7 +29590,7 @@
           <a:p>
             <a:fld id="{7D888D8A-0A60-47D0-B03D-BFB4A0F97126}" type="datetimeFigureOut">
               <a:rPr lang="en-US" smtClean="0"/>
-              <a:t>4/6/2018</a:t>
+              <a:t>4/7/2018</a:t>
             </a:fld>
             <a:endParaRPr lang="en-US"/>
           </a:p>
@@ -29761,7 +29760,7 @@
           <a:p>
             <a:fld id="{7D888D8A-0A60-47D0-B03D-BFB4A0F97126}" type="datetimeFigureOut">
               <a:rPr lang="en-US" smtClean="0"/>
-              <a:t>4/6/2018</a:t>
+              <a:t>4/7/2018</a:t>
             </a:fld>
             <a:endParaRPr lang="en-US"/>
           </a:p>
@@ -30029,7 +30028,7 @@
           <a:p>
             <a:fld id="{7D888D8A-0A60-47D0-B03D-BFB4A0F97126}" type="datetimeFigureOut">
               <a:rPr lang="en-US" smtClean="0"/>
-              <a:t>4/6/2018</a:t>
+              <a:t>4/7/2018</a:t>
             </a:fld>
             <a:endParaRPr lang="en-US"/>
           </a:p>
@@ -30261,7 +30260,7 @@
           <a:p>
             <a:fld id="{7D888D8A-0A60-47D0-B03D-BFB4A0F97126}" type="datetimeFigureOut">
               <a:rPr lang="en-US" smtClean="0"/>
-              <a:t>4/6/2018</a:t>
+              <a:t>4/7/2018</a:t>
             </a:fld>
             <a:endParaRPr lang="en-US"/>
           </a:p>
@@ -30621,7 +30620,7 @@
           <a:p>
             <a:fld id="{7D888D8A-0A60-47D0-B03D-BFB4A0F97126}" type="datetimeFigureOut">
               <a:rPr lang="en-US" smtClean="0"/>
-              <a:t>4/6/2018</a:t>
+              <a:t>4/7/2018</a:t>
             </a:fld>
             <a:endParaRPr lang="en-US"/>
           </a:p>
@@ -30767,7 +30766,7 @@
           <a:p>
             <a:fld id="{7D888D8A-0A60-47D0-B03D-BFB4A0F97126}" type="datetimeFigureOut">
               <a:rPr lang="en-US" smtClean="0"/>
-              <a:t>4/6/2018</a:t>
+              <a:t>4/7/2018</a:t>
             </a:fld>
             <a:endParaRPr lang="en-US"/>
           </a:p>
@@ -30862,7 +30861,7 @@
           <a:p>
             <a:fld id="{7D888D8A-0A60-47D0-B03D-BFB4A0F97126}" type="datetimeFigureOut">
               <a:rPr lang="en-US" smtClean="0"/>
-              <a:t>4/6/2018</a:t>
+              <a:t>4/7/2018</a:t>
             </a:fld>
             <a:endParaRPr lang="en-US"/>
           </a:p>
@@ -31219,7 +31218,7 @@
           <a:p>
             <a:fld id="{7D888D8A-0A60-47D0-B03D-BFB4A0F97126}" type="datetimeFigureOut">
               <a:rPr lang="en-US" smtClean="0"/>
-              <a:t>4/6/2018</a:t>
+              <a:t>4/7/2018</a:t>
             </a:fld>
             <a:endParaRPr lang="en-US"/>
           </a:p>
@@ -31580,7 +31579,7 @@
           <a:p>
             <a:fld id="{7D888D8A-0A60-47D0-B03D-BFB4A0F97126}" type="datetimeFigureOut">
               <a:rPr lang="en-US" smtClean="0"/>
-              <a:t>4/6/2018</a:t>
+              <a:t>4/7/2018</a:t>
             </a:fld>
             <a:endParaRPr lang="en-US"/>
           </a:p>
@@ -31819,7 +31818,7 @@
           <a:p>
             <a:fld id="{7D888D8A-0A60-47D0-B03D-BFB4A0F97126}" type="datetimeFigureOut">
               <a:rPr lang="en-US" smtClean="0"/>
-              <a:t>4/6/2018</a:t>
+              <a:t>4/7/2018</a:t>
             </a:fld>
             <a:endParaRPr lang="en-US"/>
           </a:p>
@@ -32626,87 +32625,6 @@
 <file path=ppt/slides/slide12.xml><?xml version="1.0" encoding="utf-8"?>
 <p:sld xmlns:a="http://schemas.openxmlformats.org/drawingml/2006/main" xmlns:r="http://schemas.openxmlformats.org/officeDocument/2006/relationships" xmlns:p="http://schemas.openxmlformats.org/presentationml/2006/main">
   <p:cSld>
-    <p:spTree>
-      <p:nvGrpSpPr>
-        <p:cNvPr id="1" name=""/>
-        <p:cNvGrpSpPr/>
-        <p:nvPr/>
-      </p:nvGrpSpPr>
-      <p:grpSpPr>
-        <a:xfrm>
-          <a:off x="0" y="0"/>
-          <a:ext cx="0" cy="0"/>
-          <a:chOff x="0" y="0"/>
-          <a:chExt cx="0" cy="0"/>
-        </a:xfrm>
-      </p:grpSpPr>
-      <p:sp>
-        <p:nvSpPr>
-          <p:cNvPr id="2" name="Title 1"/>
-          <p:cNvSpPr>
-            <a:spLocks noGrp="1"/>
-          </p:cNvSpPr>
-          <p:nvPr>
-            <p:ph type="title"/>
-          </p:nvPr>
-        </p:nvSpPr>
-        <p:spPr>
-          <a:xfrm>
-            <a:off x="2231136" y="964692"/>
-            <a:ext cx="7729728" cy="1188720"/>
-          </a:xfrm>
-        </p:spPr>
-        <p:txBody>
-          <a:bodyPr/>
-          <a:lstStyle/>
-          <a:p>
-            <a:pPr algn="ctr"/>
-            <a:r>
-              <a:rPr lang="en-US"/>
-              <a:t>Index Positions</a:t>
-            </a:r>
-            <a:endParaRPr lang="en-US" dirty="0"/>
-          </a:p>
-        </p:txBody>
-      </p:sp>
-      <p:sp>
-        <p:nvSpPr>
-          <p:cNvPr id="3" name="Content Placeholder 2"/>
-          <p:cNvSpPr>
-            <a:spLocks noGrp="1"/>
-          </p:cNvSpPr>
-          <p:nvPr>
-            <p:ph idx="1"/>
-          </p:nvPr>
-        </p:nvSpPr>
-        <p:spPr/>
-        <p:txBody>
-          <a:bodyPr/>
-          <a:lstStyle/>
-          <a:p>
-            <a:r>
-              <a:rPr lang="en-US" dirty="0"/>
-              <a:t>The first position (first character in the string) is at index 0, and the indices increment as you go through the string. (“Zero-based indexing”)</a:t>
-            </a:r>
-          </a:p>
-        </p:txBody>
-      </p:sp>
-    </p:spTree>
-    <p:extLst>
-      <p:ext uri="{BB962C8B-B14F-4D97-AF65-F5344CB8AC3E}">
-        <p14:creationId xmlns:p14="http://schemas.microsoft.com/office/powerpoint/2010/main" val="228278795"/>
-      </p:ext>
-    </p:extLst>
-  </p:cSld>
-  <p:clrMapOvr>
-    <a:masterClrMapping/>
-  </p:clrMapOvr>
-</p:sld>
-</file>
-
-<file path=ppt/slides/slide13.xml><?xml version="1.0" encoding="utf-8"?>
-<p:sld xmlns:a="http://schemas.openxmlformats.org/drawingml/2006/main" xmlns:r="http://schemas.openxmlformats.org/officeDocument/2006/relationships" xmlns:p="http://schemas.openxmlformats.org/presentationml/2006/main">
-  <p:cSld>
     <p:bg>
       <p:bgPr>
         <a:solidFill>
@@ -32808,7 +32726,7 @@
 </p:sld>
 </file>
 
-<file path=ppt/slides/slide14.xml><?xml version="1.0" encoding="utf-8"?>
+<file path=ppt/slides/slide13.xml><?xml version="1.0" encoding="utf-8"?>
 <p:sld xmlns:a="http://schemas.openxmlformats.org/drawingml/2006/main" xmlns:r="http://schemas.openxmlformats.org/officeDocument/2006/relationships" xmlns:p="http://schemas.openxmlformats.org/presentationml/2006/main">
   <p:cSld>
     <p:bg>
@@ -32906,7 +32824,7 @@
 </p:sld>
 </file>
 
-<file path=ppt/slides/slide15.xml><?xml version="1.0" encoding="utf-8"?>
+<file path=ppt/slides/slide14.xml><?xml version="1.0" encoding="utf-8"?>
 <p:sld xmlns:a="http://schemas.openxmlformats.org/drawingml/2006/main" xmlns:r="http://schemas.openxmlformats.org/officeDocument/2006/relationships" xmlns:p="http://schemas.openxmlformats.org/presentationml/2006/main">
   <p:cSld>
     <p:bg>
@@ -33135,7 +33053,7 @@
 </p:sld>
 </file>
 
-<file path=ppt/slides/slide16.xml><?xml version="1.0" encoding="utf-8"?>
+<file path=ppt/slides/slide15.xml><?xml version="1.0" encoding="utf-8"?>
 <p:sld xmlns:a="http://schemas.openxmlformats.org/drawingml/2006/main" xmlns:r="http://schemas.openxmlformats.org/officeDocument/2006/relationships" xmlns:p="http://schemas.openxmlformats.org/presentationml/2006/main">
   <p:cSld>
     <p:spTree>
@@ -34344,7 +34262,7 @@
 </p:sld>
 </file>
 
-<file path=ppt/slides/slide17.xml><?xml version="1.0" encoding="utf-8"?>
+<file path=ppt/slides/slide16.xml><?xml version="1.0" encoding="utf-8"?>
 <p:sld xmlns:a="http://schemas.openxmlformats.org/drawingml/2006/main" xmlns:r="http://schemas.openxmlformats.org/officeDocument/2006/relationships" xmlns:p="http://schemas.openxmlformats.org/presentationml/2006/main">
   <p:cSld>
     <p:bg>
@@ -34583,7 +34501,7 @@
 </p:sld>
 </file>
 
-<file path=ppt/slides/slide18.xml><?xml version="1.0" encoding="utf-8"?>
+<file path=ppt/slides/slide17.xml><?xml version="1.0" encoding="utf-8"?>
 <p:sld xmlns:a="http://schemas.openxmlformats.org/drawingml/2006/main" xmlns:r="http://schemas.openxmlformats.org/officeDocument/2006/relationships" xmlns:p="http://schemas.openxmlformats.org/presentationml/2006/main" show="0">
   <p:cSld>
     <p:spTree>
@@ -34850,7 +34768,7 @@
 </p:sld>
 </file>
 
-<file path=ppt/slides/slide19.xml><?xml version="1.0" encoding="utf-8"?>
+<file path=ppt/slides/slide18.xml><?xml version="1.0" encoding="utf-8"?>
 <p:sld xmlns:a="http://schemas.openxmlformats.org/drawingml/2006/main" xmlns:r="http://schemas.openxmlformats.org/officeDocument/2006/relationships" xmlns:p="http://schemas.openxmlformats.org/presentationml/2006/main">
   <p:cSld>
     <p:spTree>
@@ -36421,6 +36339,124 @@
 </p:sld>
 </file>
 
+<file path=ppt/slides/slide19.xml><?xml version="1.0" encoding="utf-8"?>
+<p:sld xmlns:a="http://schemas.openxmlformats.org/drawingml/2006/main" xmlns:r="http://schemas.openxmlformats.org/officeDocument/2006/relationships" xmlns:p="http://schemas.openxmlformats.org/presentationml/2006/main">
+  <p:cSld>
+    <p:bg>
+      <p:bgPr>
+        <a:solidFill>
+          <a:schemeClr val="bg2"/>
+        </a:solidFill>
+        <a:effectLst/>
+      </p:bgPr>
+    </p:bg>
+    <p:spTree>
+      <p:nvGrpSpPr>
+        <p:cNvPr id="1" name=""/>
+        <p:cNvGrpSpPr/>
+        <p:nvPr/>
+      </p:nvGrpSpPr>
+      <p:grpSpPr>
+        <a:xfrm>
+          <a:off x="0" y="0"/>
+          <a:ext cx="0" cy="0"/>
+          <a:chOff x="0" y="0"/>
+          <a:chExt cx="0" cy="0"/>
+        </a:xfrm>
+      </p:grpSpPr>
+      <p:sp>
+        <p:nvSpPr>
+          <p:cNvPr id="2" name="Title 1">
+            <a:extLst>
+              <a:ext uri="{FF2B5EF4-FFF2-40B4-BE49-F238E27FC236}">
+                <a16:creationId xmlns:a16="http://schemas.microsoft.com/office/drawing/2014/main" id="{D4FDC9D1-0107-489B-91E3-F9CD96FFCD5E}"/>
+              </a:ext>
+            </a:extLst>
+          </p:cNvPr>
+          <p:cNvSpPr>
+            <a:spLocks noGrp="1"/>
+          </p:cNvSpPr>
+          <p:nvPr>
+            <p:ph type="title"/>
+          </p:nvPr>
+        </p:nvSpPr>
+        <p:spPr>
+          <a:xfrm>
+            <a:off x="2231136" y="964692"/>
+            <a:ext cx="7729728" cy="1188720"/>
+          </a:xfrm>
+          <a:prstGeom prst="ellipse">
+            <a:avLst/>
+          </a:prstGeom>
+        </p:spPr>
+        <p:txBody>
+          <a:bodyPr>
+            <a:noAutofit/>
+          </a:bodyPr>
+          <a:lstStyle/>
+          <a:p>
+            <a:r>
+              <a:rPr lang="en-US" sz="2000" dirty="0"/>
+              <a:t>String Operations:</a:t>
+            </a:r>
+            <a:br>
+              <a:rPr lang="en-US" sz="2000" dirty="0"/>
+            </a:br>
+            <a:br>
+              <a:rPr lang="en-US" sz="2000" dirty="0"/>
+            </a:br>
+            <a:r>
+              <a:rPr lang="en-US" sz="2000" dirty="0" err="1"/>
+              <a:t>SlicE</a:t>
+            </a:r>
+            <a:endParaRPr lang="en-US" sz="2000" dirty="0"/>
+          </a:p>
+        </p:txBody>
+      </p:sp>
+      <p:graphicFrame>
+        <p:nvGraphicFramePr>
+          <p:cNvPr id="5" name="Content Placeholder 2">
+            <a:extLst>
+              <a:ext uri="{FF2B5EF4-FFF2-40B4-BE49-F238E27FC236}">
+                <a16:creationId xmlns:a16="http://schemas.microsoft.com/office/drawing/2014/main" id="{AF809678-530F-4853-A3A1-A7AD74C5AF04}"/>
+              </a:ext>
+            </a:extLst>
+          </p:cNvPr>
+          <p:cNvGraphicFramePr>
+            <a:graphicFrameLocks noGrp="1"/>
+          </p:cNvGraphicFramePr>
+          <p:nvPr>
+            <p:ph idx="1"/>
+            <p:extLst>
+              <p:ext uri="{D42A27DB-BD31-4B8C-83A1-F6EECF244321}">
+                <p14:modId xmlns:p14="http://schemas.microsoft.com/office/powerpoint/2010/main" val="2510539224"/>
+              </p:ext>
+            </p:extLst>
+          </p:nvPr>
+        </p:nvGraphicFramePr>
+        <p:xfrm>
+          <a:off x="946984" y="2638425"/>
+          <a:ext cx="10177699" cy="3139090"/>
+        </p:xfrm>
+        <a:graphic>
+          <a:graphicData uri="http://schemas.openxmlformats.org/drawingml/2006/diagram">
+            <dgm:relIds xmlns:dgm="http://schemas.openxmlformats.org/drawingml/2006/diagram" xmlns:r="http://schemas.openxmlformats.org/officeDocument/2006/relationships" r:dm="rId2" r:lo="rId3" r:qs="rId4" r:cs="rId5"/>
+          </a:graphicData>
+        </a:graphic>
+      </p:graphicFrame>
+    </p:spTree>
+    <p:extLst>
+      <p:ext uri="{BB962C8B-B14F-4D97-AF65-F5344CB8AC3E}">
+        <p14:creationId xmlns:p14="http://schemas.microsoft.com/office/powerpoint/2010/main" val="275858214"/>
+      </p:ext>
+    </p:extLst>
+  </p:cSld>
+  <p:clrMapOvr>
+    <a:masterClrMapping/>
+  </p:clrMapOvr>
+</p:sld>
+</file>
+
 <file path=ppt/slides/slide2.xml><?xml version="1.0" encoding="utf-8"?>
 <p:sld xmlns:a="http://schemas.openxmlformats.org/drawingml/2006/main" xmlns:r="http://schemas.openxmlformats.org/officeDocument/2006/relationships" xmlns:p="http://schemas.openxmlformats.org/presentationml/2006/main">
   <p:cSld>
@@ -36749,124 +36785,6 @@
           <p:cNvPr id="5" name="Content Placeholder 2">
             <a:extLst>
               <a:ext uri="{FF2B5EF4-FFF2-40B4-BE49-F238E27FC236}">
-                <a16:creationId xmlns:a16="http://schemas.microsoft.com/office/drawing/2014/main" id="{AF809678-530F-4853-A3A1-A7AD74C5AF04}"/>
-              </a:ext>
-            </a:extLst>
-          </p:cNvPr>
-          <p:cNvGraphicFramePr>
-            <a:graphicFrameLocks noGrp="1"/>
-          </p:cNvGraphicFramePr>
-          <p:nvPr>
-            <p:ph idx="1"/>
-            <p:extLst>
-              <p:ext uri="{D42A27DB-BD31-4B8C-83A1-F6EECF244321}">
-                <p14:modId xmlns:p14="http://schemas.microsoft.com/office/powerpoint/2010/main" val="2510539224"/>
-              </p:ext>
-            </p:extLst>
-          </p:nvPr>
-        </p:nvGraphicFramePr>
-        <p:xfrm>
-          <a:off x="946984" y="2638425"/>
-          <a:ext cx="10177699" cy="3139090"/>
-        </p:xfrm>
-        <a:graphic>
-          <a:graphicData uri="http://schemas.openxmlformats.org/drawingml/2006/diagram">
-            <dgm:relIds xmlns:dgm="http://schemas.openxmlformats.org/drawingml/2006/diagram" xmlns:r="http://schemas.openxmlformats.org/officeDocument/2006/relationships" r:dm="rId2" r:lo="rId3" r:qs="rId4" r:cs="rId5"/>
-          </a:graphicData>
-        </a:graphic>
-      </p:graphicFrame>
-    </p:spTree>
-    <p:extLst>
-      <p:ext uri="{BB962C8B-B14F-4D97-AF65-F5344CB8AC3E}">
-        <p14:creationId xmlns:p14="http://schemas.microsoft.com/office/powerpoint/2010/main" val="275858214"/>
-      </p:ext>
-    </p:extLst>
-  </p:cSld>
-  <p:clrMapOvr>
-    <a:masterClrMapping/>
-  </p:clrMapOvr>
-</p:sld>
-</file>
-
-<file path=ppt/slides/slide21.xml><?xml version="1.0" encoding="utf-8"?>
-<p:sld xmlns:a="http://schemas.openxmlformats.org/drawingml/2006/main" xmlns:r="http://schemas.openxmlformats.org/officeDocument/2006/relationships" xmlns:p="http://schemas.openxmlformats.org/presentationml/2006/main">
-  <p:cSld>
-    <p:bg>
-      <p:bgPr>
-        <a:solidFill>
-          <a:schemeClr val="bg2"/>
-        </a:solidFill>
-        <a:effectLst/>
-      </p:bgPr>
-    </p:bg>
-    <p:spTree>
-      <p:nvGrpSpPr>
-        <p:cNvPr id="1" name=""/>
-        <p:cNvGrpSpPr/>
-        <p:nvPr/>
-      </p:nvGrpSpPr>
-      <p:grpSpPr>
-        <a:xfrm>
-          <a:off x="0" y="0"/>
-          <a:ext cx="0" cy="0"/>
-          <a:chOff x="0" y="0"/>
-          <a:chExt cx="0" cy="0"/>
-        </a:xfrm>
-      </p:grpSpPr>
-      <p:sp>
-        <p:nvSpPr>
-          <p:cNvPr id="2" name="Title 1">
-            <a:extLst>
-              <a:ext uri="{FF2B5EF4-FFF2-40B4-BE49-F238E27FC236}">
-                <a16:creationId xmlns:a16="http://schemas.microsoft.com/office/drawing/2014/main" id="{D4FDC9D1-0107-489B-91E3-F9CD96FFCD5E}"/>
-              </a:ext>
-            </a:extLst>
-          </p:cNvPr>
-          <p:cNvSpPr>
-            <a:spLocks noGrp="1"/>
-          </p:cNvSpPr>
-          <p:nvPr>
-            <p:ph type="title"/>
-          </p:nvPr>
-        </p:nvSpPr>
-        <p:spPr>
-          <a:xfrm>
-            <a:off x="2231136" y="964692"/>
-            <a:ext cx="7729728" cy="1188720"/>
-          </a:xfrm>
-          <a:prstGeom prst="ellipse">
-            <a:avLst/>
-          </a:prstGeom>
-        </p:spPr>
-        <p:txBody>
-          <a:bodyPr>
-            <a:noAutofit/>
-          </a:bodyPr>
-          <a:lstStyle/>
-          <a:p>
-            <a:r>
-              <a:rPr lang="en-US" sz="2000" dirty="0"/>
-              <a:t>String Operations:</a:t>
-            </a:r>
-            <a:br>
-              <a:rPr lang="en-US" sz="2000" dirty="0"/>
-            </a:br>
-            <a:br>
-              <a:rPr lang="en-US" sz="2000" dirty="0"/>
-            </a:br>
-            <a:r>
-              <a:rPr lang="en-US" sz="2000" dirty="0" err="1"/>
-              <a:t>SlicE</a:t>
-            </a:r>
-            <a:endParaRPr lang="en-US" sz="2000" dirty="0"/>
-          </a:p>
-        </p:txBody>
-      </p:sp>
-      <p:graphicFrame>
-        <p:nvGraphicFramePr>
-          <p:cNvPr id="5" name="Content Placeholder 2">
-            <a:extLst>
-              <a:ext uri="{FF2B5EF4-FFF2-40B4-BE49-F238E27FC236}">
                 <a16:creationId xmlns:a16="http://schemas.microsoft.com/office/drawing/2014/main" id="{DC75F12D-BF42-40EF-8E05-88D84AE389B0}"/>
               </a:ext>
             </a:extLst>
@@ -36906,7 +36824,7 @@
 </p:sld>
 </file>
 
-<file path=ppt/slides/slide22.xml><?xml version="1.0" encoding="utf-8"?>
+<file path=ppt/slides/slide21.xml><?xml version="1.0" encoding="utf-8"?>
 <p:sld xmlns:a="http://schemas.openxmlformats.org/drawingml/2006/main" xmlns:r="http://schemas.openxmlformats.org/officeDocument/2006/relationships" xmlns:p="http://schemas.openxmlformats.org/presentationml/2006/main">
   <p:cSld>
     <p:bg>
@@ -37119,7 +37037,7 @@
 </p:sld>
 </file>
 
-<file path=ppt/slides/slide23.xml><?xml version="1.0" encoding="utf-8"?>
+<file path=ppt/slides/slide22.xml><?xml version="1.0" encoding="utf-8"?>
 <p:sld xmlns:a="http://schemas.openxmlformats.org/drawingml/2006/main" xmlns:r="http://schemas.openxmlformats.org/officeDocument/2006/relationships" xmlns:p="http://schemas.openxmlformats.org/presentationml/2006/main">
   <p:cSld>
     <p:spTree>
@@ -38706,7 +38624,7 @@
 </p:sld>
 </file>
 
-<file path=ppt/slides/slide24.xml><?xml version="1.0" encoding="utf-8"?>
+<file path=ppt/slides/slide23.xml><?xml version="1.0" encoding="utf-8"?>
 <p:sld xmlns:a="http://schemas.openxmlformats.org/drawingml/2006/main" xmlns:r="http://schemas.openxmlformats.org/officeDocument/2006/relationships" xmlns:p="http://schemas.openxmlformats.org/presentationml/2006/main">
   <p:cSld>
     <p:spTree>
@@ -38912,7 +38830,7 @@
 </p:sld>
 </file>
 
-<file path=ppt/slides/slide25.xml><?xml version="1.0" encoding="utf-8"?>
+<file path=ppt/slides/slide24.xml><?xml version="1.0" encoding="utf-8"?>
 <p:sld xmlns:a="http://schemas.openxmlformats.org/drawingml/2006/main" xmlns:r="http://schemas.openxmlformats.org/officeDocument/2006/relationships" xmlns:p="http://schemas.openxmlformats.org/presentationml/2006/main">
   <p:cSld>
     <p:bg>
@@ -39127,7 +39045,7 @@
 </p:sld>
 </file>
 
-<file path=ppt/slides/slide26.xml><?xml version="1.0" encoding="utf-8"?>
+<file path=ppt/slides/slide25.xml><?xml version="1.0" encoding="utf-8"?>
 <p:sld xmlns:a="http://schemas.openxmlformats.org/drawingml/2006/main" xmlns:r="http://schemas.openxmlformats.org/officeDocument/2006/relationships" xmlns:p="http://schemas.openxmlformats.org/presentationml/2006/main">
   <p:cSld>
     <p:spTree>
@@ -40036,7 +39954,7 @@
 </p:sld>
 </file>
 
-<file path=ppt/slides/slide27.xml><?xml version="1.0" encoding="utf-8"?>
+<file path=ppt/slides/slide26.xml><?xml version="1.0" encoding="utf-8"?>
 <p:sld xmlns:a="http://schemas.openxmlformats.org/drawingml/2006/main" xmlns:r="http://schemas.openxmlformats.org/officeDocument/2006/relationships" xmlns:p="http://schemas.openxmlformats.org/presentationml/2006/main">
   <p:cSld>
     <p:spTree>
@@ -43147,7 +43065,7 @@
 </p:sld>
 </file>
 
-<file path=ppt/slides/slide28.xml><?xml version="1.0" encoding="utf-8"?>
+<file path=ppt/slides/slide27.xml><?xml version="1.0" encoding="utf-8"?>
 <p:sld xmlns:a="http://schemas.openxmlformats.org/drawingml/2006/main" xmlns:r="http://schemas.openxmlformats.org/officeDocument/2006/relationships" xmlns:p="http://schemas.openxmlformats.org/presentationml/2006/main">
   <p:cSld>
     <p:spTree>
@@ -43624,7 +43542,7 @@
 </p:sld>
 </file>
 
-<file path=ppt/slides/slide29.xml><?xml version="1.0" encoding="utf-8"?>
+<file path=ppt/slides/slide28.xml><?xml version="1.0" encoding="utf-8"?>
 <p:sld xmlns:a="http://schemas.openxmlformats.org/drawingml/2006/main" xmlns:r="http://schemas.openxmlformats.org/officeDocument/2006/relationships" xmlns:p="http://schemas.openxmlformats.org/presentationml/2006/main">
   <p:cSld>
     <p:spTree>
@@ -44239,6 +44157,105 @@
 </p:sld>
 </file>
 
+<file path=ppt/slides/slide29.xml><?xml version="1.0" encoding="utf-8"?>
+<p:sld xmlns:a="http://schemas.openxmlformats.org/drawingml/2006/main" xmlns:r="http://schemas.openxmlformats.org/officeDocument/2006/relationships" xmlns:p="http://schemas.openxmlformats.org/presentationml/2006/main">
+  <p:cSld>
+    <p:spTree>
+      <p:nvGrpSpPr>
+        <p:cNvPr id="1" name=""/>
+        <p:cNvGrpSpPr/>
+        <p:nvPr/>
+      </p:nvGrpSpPr>
+      <p:grpSpPr>
+        <a:xfrm>
+          <a:off x="0" y="0"/>
+          <a:ext cx="0" cy="0"/>
+          <a:chOff x="0" y="0"/>
+          <a:chExt cx="0" cy="0"/>
+        </a:xfrm>
+      </p:grpSpPr>
+      <p:sp>
+        <p:nvSpPr>
+          <p:cNvPr id="2" name="Title 1">
+            <a:extLst>
+              <a:ext uri="{FF2B5EF4-FFF2-40B4-BE49-F238E27FC236}">
+                <a16:creationId xmlns:a16="http://schemas.microsoft.com/office/drawing/2014/main" id="{02659DFC-BE86-445C-9112-D3BE49506545}"/>
+              </a:ext>
+            </a:extLst>
+          </p:cNvPr>
+          <p:cNvSpPr>
+            <a:spLocks noGrp="1"/>
+          </p:cNvSpPr>
+          <p:nvPr>
+            <p:ph type="title"/>
+          </p:nvPr>
+        </p:nvSpPr>
+        <p:spPr/>
+        <p:txBody>
+          <a:bodyPr/>
+          <a:lstStyle/>
+          <a:p>
+            <a:r>
+              <a:rPr lang="en-US" dirty="0"/>
+              <a:t>Frequency List</a:t>
+            </a:r>
+            <a:br>
+              <a:rPr lang="en-US" dirty="0"/>
+            </a:br>
+            <a:r>
+              <a:rPr lang="en-US" dirty="0"/>
+              <a:t>Example Problem</a:t>
+            </a:r>
+          </a:p>
+        </p:txBody>
+      </p:sp>
+      <p:sp>
+        <p:nvSpPr>
+          <p:cNvPr id="3" name="Content Placeholder 2">
+            <a:extLst>
+              <a:ext uri="{FF2B5EF4-FFF2-40B4-BE49-F238E27FC236}">
+                <a16:creationId xmlns:a16="http://schemas.microsoft.com/office/drawing/2014/main" id="{C28C56DD-C16E-4F14-BD68-F40467F56EA8}"/>
+              </a:ext>
+            </a:extLst>
+          </p:cNvPr>
+          <p:cNvSpPr>
+            <a:spLocks noGrp="1"/>
+          </p:cNvSpPr>
+          <p:nvPr>
+            <p:ph idx="1"/>
+          </p:nvPr>
+        </p:nvSpPr>
+        <p:spPr/>
+        <p:txBody>
+          <a:bodyPr/>
+          <a:lstStyle/>
+          <a:p>
+            <a:r>
+              <a:rPr lang="en-US" dirty="0"/>
+              <a:t>Create a list of numbers with values from [0, 10]</a:t>
+            </a:r>
+          </a:p>
+          <a:p>
+            <a:r>
+              <a:rPr lang="en-US" dirty="0"/>
+              <a:t>Determine how many times each number occurs in that list</a:t>
+            </a:r>
+          </a:p>
+        </p:txBody>
+      </p:sp>
+    </p:spTree>
+    <p:extLst>
+      <p:ext uri="{BB962C8B-B14F-4D97-AF65-F5344CB8AC3E}">
+        <p14:creationId xmlns:p14="http://schemas.microsoft.com/office/powerpoint/2010/main" val="109398696"/>
+      </p:ext>
+    </p:extLst>
+  </p:cSld>
+  <p:clrMapOvr>
+    <a:masterClrMapping/>
+  </p:clrMapOvr>
+</p:sld>
+</file>
+
 <file path=ppt/slides/slide3.xml><?xml version="1.0" encoding="utf-8"?>
 <p:sld xmlns:a="http://schemas.openxmlformats.org/drawingml/2006/main" xmlns:r="http://schemas.openxmlformats.org/officeDocument/2006/relationships" xmlns:p="http://schemas.openxmlformats.org/presentationml/2006/main">
   <p:cSld>
@@ -44476,105 +44493,6 @@
 <file path=ppt/slides/slide30.xml><?xml version="1.0" encoding="utf-8"?>
 <p:sld xmlns:a="http://schemas.openxmlformats.org/drawingml/2006/main" xmlns:r="http://schemas.openxmlformats.org/officeDocument/2006/relationships" xmlns:p="http://schemas.openxmlformats.org/presentationml/2006/main">
   <p:cSld>
-    <p:spTree>
-      <p:nvGrpSpPr>
-        <p:cNvPr id="1" name=""/>
-        <p:cNvGrpSpPr/>
-        <p:nvPr/>
-      </p:nvGrpSpPr>
-      <p:grpSpPr>
-        <a:xfrm>
-          <a:off x="0" y="0"/>
-          <a:ext cx="0" cy="0"/>
-          <a:chOff x="0" y="0"/>
-          <a:chExt cx="0" cy="0"/>
-        </a:xfrm>
-      </p:grpSpPr>
-      <p:sp>
-        <p:nvSpPr>
-          <p:cNvPr id="2" name="Title 1">
-            <a:extLst>
-              <a:ext uri="{FF2B5EF4-FFF2-40B4-BE49-F238E27FC236}">
-                <a16:creationId xmlns:a16="http://schemas.microsoft.com/office/drawing/2014/main" id="{02659DFC-BE86-445C-9112-D3BE49506545}"/>
-              </a:ext>
-            </a:extLst>
-          </p:cNvPr>
-          <p:cNvSpPr>
-            <a:spLocks noGrp="1"/>
-          </p:cNvSpPr>
-          <p:nvPr>
-            <p:ph type="title"/>
-          </p:nvPr>
-        </p:nvSpPr>
-        <p:spPr/>
-        <p:txBody>
-          <a:bodyPr/>
-          <a:lstStyle/>
-          <a:p>
-            <a:r>
-              <a:rPr lang="en-US" dirty="0"/>
-              <a:t>Frequency List</a:t>
-            </a:r>
-            <a:br>
-              <a:rPr lang="en-US" dirty="0"/>
-            </a:br>
-            <a:r>
-              <a:rPr lang="en-US" dirty="0"/>
-              <a:t>Example Problem</a:t>
-            </a:r>
-          </a:p>
-        </p:txBody>
-      </p:sp>
-      <p:sp>
-        <p:nvSpPr>
-          <p:cNvPr id="3" name="Content Placeholder 2">
-            <a:extLst>
-              <a:ext uri="{FF2B5EF4-FFF2-40B4-BE49-F238E27FC236}">
-                <a16:creationId xmlns:a16="http://schemas.microsoft.com/office/drawing/2014/main" id="{C28C56DD-C16E-4F14-BD68-F40467F56EA8}"/>
-              </a:ext>
-            </a:extLst>
-          </p:cNvPr>
-          <p:cNvSpPr>
-            <a:spLocks noGrp="1"/>
-          </p:cNvSpPr>
-          <p:nvPr>
-            <p:ph idx="1"/>
-          </p:nvPr>
-        </p:nvSpPr>
-        <p:spPr/>
-        <p:txBody>
-          <a:bodyPr/>
-          <a:lstStyle/>
-          <a:p>
-            <a:r>
-              <a:rPr lang="en-US" dirty="0"/>
-              <a:t>Create a list of numbers with values from [0, 10]</a:t>
-            </a:r>
-          </a:p>
-          <a:p>
-            <a:r>
-              <a:rPr lang="en-US" dirty="0"/>
-              <a:t>Determine how many times each number occurs in that list</a:t>
-            </a:r>
-          </a:p>
-        </p:txBody>
-      </p:sp>
-    </p:spTree>
-    <p:extLst>
-      <p:ext uri="{BB962C8B-B14F-4D97-AF65-F5344CB8AC3E}">
-        <p14:creationId xmlns:p14="http://schemas.microsoft.com/office/powerpoint/2010/main" val="109398696"/>
-      </p:ext>
-    </p:extLst>
-  </p:cSld>
-  <p:clrMapOvr>
-    <a:masterClrMapping/>
-  </p:clrMapOvr>
-</p:sld>
-</file>
-
-<file path=ppt/slides/slide31.xml><?xml version="1.0" encoding="utf-8"?>
-<p:sld xmlns:a="http://schemas.openxmlformats.org/drawingml/2006/main" xmlns:r="http://schemas.openxmlformats.org/officeDocument/2006/relationships" xmlns:p="http://schemas.openxmlformats.org/presentationml/2006/main">
-  <p:cSld>
     <p:bg>
       <p:bgPr>
         <a:solidFill>
@@ -44698,7 +44616,7 @@
 </p:sld>
 </file>
 
-<file path=ppt/slides/slide32.xml><?xml version="1.0" encoding="utf-8"?>
+<file path=ppt/slides/slide31.xml><?xml version="1.0" encoding="utf-8"?>
 <p:sld xmlns:a="http://schemas.openxmlformats.org/drawingml/2006/main" xmlns:r="http://schemas.openxmlformats.org/officeDocument/2006/relationships" xmlns:p="http://schemas.openxmlformats.org/presentationml/2006/main">
   <p:cSld>
     <p:bg>
@@ -44876,7 +44794,7 @@
 </p:sld>
 </file>
 
-<file path=ppt/slides/slide33.xml><?xml version="1.0" encoding="utf-8"?>
+<file path=ppt/slides/slide32.xml><?xml version="1.0" encoding="utf-8"?>
 <p:sld xmlns:a="http://schemas.openxmlformats.org/drawingml/2006/main" xmlns:r="http://schemas.openxmlformats.org/officeDocument/2006/relationships" xmlns:p="http://schemas.openxmlformats.org/presentationml/2006/main">
   <p:cSld>
     <p:bg>
@@ -45054,7 +44972,7 @@
 </p:sld>
 </file>
 
-<file path=ppt/slides/slide34.xml><?xml version="1.0" encoding="utf-8"?>
+<file path=ppt/slides/slide33.xml><?xml version="1.0" encoding="utf-8"?>
 <p:sld xmlns:a="http://schemas.openxmlformats.org/drawingml/2006/main" xmlns:r="http://schemas.openxmlformats.org/officeDocument/2006/relationships" xmlns:p="http://schemas.openxmlformats.org/presentationml/2006/main">
   <p:cSld>
     <p:bg>
@@ -45255,7 +45173,7 @@
 </p:sld>
 </file>
 
-<file path=ppt/slides/slide35.xml><?xml version="1.0" encoding="utf-8"?>
+<file path=ppt/slides/slide34.xml><?xml version="1.0" encoding="utf-8"?>
 <p:sld xmlns:a="http://schemas.openxmlformats.org/drawingml/2006/main" xmlns:r="http://schemas.openxmlformats.org/officeDocument/2006/relationships" xmlns:p="http://schemas.openxmlformats.org/presentationml/2006/main">
   <p:cSld>
     <p:spTree>
@@ -46274,7 +46192,7 @@
 </p:sld>
 </file>
 
-<file path=ppt/slides/slide36.xml><?xml version="1.0" encoding="utf-8"?>
+<file path=ppt/slides/slide35.xml><?xml version="1.0" encoding="utf-8"?>
 <p:sld xmlns:a="http://schemas.openxmlformats.org/drawingml/2006/main" xmlns:r="http://schemas.openxmlformats.org/officeDocument/2006/relationships" xmlns:p="http://schemas.openxmlformats.org/presentationml/2006/main">
   <p:cSld>
     <p:bg>
@@ -46416,7 +46334,7 @@
 </p:sld>
 </file>
 
-<file path=ppt/slides/slide37.xml><?xml version="1.0" encoding="utf-8"?>
+<file path=ppt/slides/slide36.xml><?xml version="1.0" encoding="utf-8"?>
 <p:sld xmlns:a="http://schemas.openxmlformats.org/drawingml/2006/main" xmlns:r="http://schemas.openxmlformats.org/officeDocument/2006/relationships" xmlns:p="http://schemas.openxmlformats.org/presentationml/2006/main">
   <p:cSld>
     <p:bg>
@@ -47839,7 +47757,7 @@
           <a:lstStyle/>
           <a:p>
             <a:r>
-              <a:rPr lang="en-US" sz="1700" dirty="0">
+              <a:rPr lang="en-US" sz="1700">
                 <a:solidFill>
                   <a:srgbClr val="FFFFFF"/>
                 </a:solidFill>
@@ -47847,21 +47765,21 @@
               <a:t>String Operations:</a:t>
             </a:r>
             <a:br>
-              <a:rPr lang="en-US" sz="1700" dirty="0">
+              <a:rPr lang="en-US" sz="1700">
                 <a:solidFill>
                   <a:srgbClr val="FFFFFF"/>
                 </a:solidFill>
               </a:rPr>
             </a:br>
             <a:br>
-              <a:rPr lang="en-US" sz="1700" dirty="0">
+              <a:rPr lang="en-US" sz="1700">
                 <a:solidFill>
                   <a:srgbClr val="FFFFFF"/>
                 </a:solidFill>
               </a:rPr>
             </a:br>
             <a:r>
-              <a:rPr lang="en-US" sz="1700" dirty="0">
+              <a:rPr lang="en-US" sz="1700">
                 <a:solidFill>
                   <a:srgbClr val="FFFFFF"/>
                 </a:solidFill>
@@ -47869,20 +47787,25 @@
               <a:t>Character(s)</a:t>
             </a:r>
             <a:br>
-              <a:rPr lang="en-US" sz="1700" dirty="0">
+              <a:rPr lang="en-US" sz="1700">
                 <a:solidFill>
                   <a:srgbClr val="FFFFFF"/>
                 </a:solidFill>
               </a:rPr>
             </a:br>
             <a:r>
-              <a:rPr lang="en-US" sz="1700" dirty="0">
+              <a:rPr lang="en-US" sz="1700">
                 <a:solidFill>
                   <a:srgbClr val="FFFFFF"/>
                 </a:solidFill>
               </a:rPr>
               <a:t>in String</a:t>
             </a:r>
+            <a:endParaRPr lang="en-US" sz="1700" dirty="0">
+              <a:solidFill>
+                <a:srgbClr val="FFFFFF"/>
+              </a:solidFill>
+            </a:endParaRPr>
           </a:p>
         </p:txBody>
       </p:sp>

--- a/Python Day 6 Strings and Lists.pptx
+++ b/Python Day 6 Strings and Lists.pptx
@@ -33133,8 +33133,12 @@
               <a:t>	</a:t>
             </a:r>
             <a:r>
+              <a:rPr lang="en-US" sz="8000" dirty="0"/>
+              <a:t> animal</a:t>
+            </a:r>
+            <a:r>
               <a:rPr lang="en-US" sz="7400" dirty="0"/>
-              <a:t>giraffe[0] = ‘g’</a:t>
+              <a:t>[0] = ‘g’</a:t>
             </a:r>
           </a:p>
           <a:p>
@@ -33143,7 +33147,15 @@
             </a:pPr>
             <a:r>
               <a:rPr lang="en-US" sz="7400" dirty="0"/>
-              <a:t>	giraffe[1] = ‘</a:t>
+              <a:t>	</a:t>
+            </a:r>
+            <a:r>
+              <a:rPr lang="en-US" sz="8000" dirty="0"/>
+              <a:t> animal</a:t>
+            </a:r>
+            <a:r>
+              <a:rPr lang="en-US" sz="7400" dirty="0"/>
+              <a:t>[1] = ‘</a:t>
             </a:r>
             <a:r>
               <a:rPr lang="en-US" sz="7400" dirty="0" err="1"/>
@@ -33160,7 +33172,15 @@
             </a:pPr>
             <a:r>
               <a:rPr lang="en-US" sz="7400" dirty="0"/>
-              <a:t>	giraffe[2] = ‘r’</a:t>
+              <a:t>	</a:t>
+            </a:r>
+            <a:r>
+              <a:rPr lang="en-US" sz="8000" dirty="0"/>
+              <a:t> animal</a:t>
+            </a:r>
+            <a:r>
+              <a:rPr lang="en-US" sz="7400" dirty="0"/>
+              <a:t>[2] = ‘r’</a:t>
             </a:r>
           </a:p>
           <a:p>
@@ -33169,7 +33189,15 @@
             </a:pPr>
             <a:r>
               <a:rPr lang="en-US" sz="7400" dirty="0"/>
-              <a:t>	giraffe[3] = ‘a’</a:t>
+              <a:t>	</a:t>
+            </a:r>
+            <a:r>
+              <a:rPr lang="en-US" sz="8000" dirty="0"/>
+              <a:t> animal</a:t>
+            </a:r>
+            <a:r>
+              <a:rPr lang="en-US" sz="7400" dirty="0"/>
+              <a:t>[3] = ‘a’</a:t>
             </a:r>
           </a:p>
           <a:p>
@@ -33178,7 +33206,15 @@
             </a:pPr>
             <a:r>
               <a:rPr lang="en-US" sz="7400" dirty="0"/>
-              <a:t>	giraffe[4] = ‘f’</a:t>
+              <a:t>	</a:t>
+            </a:r>
+            <a:r>
+              <a:rPr lang="en-US" sz="8000" dirty="0"/>
+              <a:t> animal</a:t>
+            </a:r>
+            <a:r>
+              <a:rPr lang="en-US" sz="7400" dirty="0"/>
+              <a:t>[4] = ‘f’</a:t>
             </a:r>
           </a:p>
           <a:p>
@@ -33187,7 +33223,15 @@
             </a:pPr>
             <a:r>
               <a:rPr lang="en-US" sz="7400" dirty="0"/>
-              <a:t>	giraffe[5] = ‘f’</a:t>
+              <a:t>	</a:t>
+            </a:r>
+            <a:r>
+              <a:rPr lang="en-US" sz="8000" dirty="0"/>
+              <a:t> animal</a:t>
+            </a:r>
+            <a:r>
+              <a:rPr lang="en-US" sz="7400" dirty="0"/>
+              <a:t>[5] = ‘f’</a:t>
             </a:r>
           </a:p>
           <a:p>
@@ -33196,7 +33240,15 @@
             </a:pPr>
             <a:r>
               <a:rPr lang="en-US" sz="7400" dirty="0"/>
-              <a:t>	giraffe[6] = ‘e’</a:t>
+              <a:t>	</a:t>
+            </a:r>
+            <a:r>
+              <a:rPr lang="en-US" sz="8000" dirty="0"/>
+              <a:t> animal</a:t>
+            </a:r>
+            <a:r>
+              <a:rPr lang="en-US" sz="7400" dirty="0"/>
+              <a:t>[6] = ‘e’</a:t>
             </a:r>
             <a:r>
               <a:rPr lang="en-US" dirty="0"/>
